--- a/building.mmbot.pptx
+++ b/building.mmbot.pptx
@@ -209,7 +209,7 @@
           <a:p>
             <a:fld id="{E4906B5F-9DD5-4B23-A7C4-E692BD6F5171}" type="datetimeFigureOut">
               <a:rPr lang="en-US" smtClean="0"/>
-              <a:t>1/25/2014</a:t>
+              <a:t>2/4/2014</a:t>
             </a:fld>
             <a:endParaRPr lang="en-US"/>
           </a:p>
@@ -923,6 +923,14 @@
           <a:bodyPr/>
           <a:lstStyle/>
           <a:p>
+            <a:r>
+              <a:rPr lang="en-US" dirty="0" smtClean="0"/>
+              <a:t>Built</a:t>
+            </a:r>
+            <a:r>
+              <a:rPr lang="en-US" baseline="0" dirty="0" smtClean="0"/>
+              <a:t> using Coffee script, running on node</a:t>
+            </a:r>
             <a:endParaRPr lang="en-US" dirty="0"/>
           </a:p>
         </p:txBody>
@@ -1007,6 +1015,22 @@
           <a:bodyPr/>
           <a:lstStyle/>
           <a:p>
+            <a:r>
+              <a:rPr lang="en-US" dirty="0" smtClean="0"/>
+              <a:t>This is</a:t>
+            </a:r>
+            <a:r>
+              <a:rPr lang="en-US" baseline="0" dirty="0" smtClean="0"/>
+              <a:t> what a </a:t>
+            </a:r>
+            <a:r>
+              <a:rPr lang="en-US" baseline="0" dirty="0" err="1" smtClean="0"/>
+              <a:t>Kegerator</a:t>
+            </a:r>
+            <a:r>
+              <a:rPr lang="en-US" baseline="0" dirty="0" smtClean="0"/>
+              <a:t> is</a:t>
+            </a:r>
             <a:endParaRPr lang="en-US" dirty="0"/>
           </a:p>
         </p:txBody>
@@ -1270,6 +1294,18 @@
         <p:txBody>
           <a:bodyPr/>
           <a:lstStyle/>
+          <a:p>
+            <a:r>
+              <a:rPr lang="en-US" dirty="0" smtClean="0"/>
+              <a:t>Like Relay-Binding</a:t>
+            </a:r>
+          </a:p>
+          <a:p>
+            <a:r>
+              <a:rPr lang="en-US" dirty="0" smtClean="0"/>
+              <a:t>Web jobs</a:t>
+            </a:r>
+          </a:p>
           <a:p>
             <a:endParaRPr lang="en-US" dirty="0"/>
           </a:p>
@@ -1442,7 +1478,7 @@
           <a:p>
             <a:fld id="{B67AD84E-40BB-49B3-A3DB-F48B5620074C}" type="datetimeFigureOut">
               <a:rPr lang="en-US" smtClean="0"/>
-              <a:t>1/25/2014</a:t>
+              <a:t>2/4/2014</a:t>
             </a:fld>
             <a:endParaRPr lang="en-US"/>
           </a:p>
@@ -1612,7 +1648,7 @@
           <a:p>
             <a:fld id="{B67AD84E-40BB-49B3-A3DB-F48B5620074C}" type="datetimeFigureOut">
               <a:rPr lang="en-US" smtClean="0"/>
-              <a:t>1/25/2014</a:t>
+              <a:t>2/4/2014</a:t>
             </a:fld>
             <a:endParaRPr lang="en-US"/>
           </a:p>
@@ -1792,7 +1828,7 @@
           <a:p>
             <a:fld id="{B67AD84E-40BB-49B3-A3DB-F48B5620074C}" type="datetimeFigureOut">
               <a:rPr lang="en-US" smtClean="0"/>
-              <a:t>1/25/2014</a:t>
+              <a:t>2/4/2014</a:t>
             </a:fld>
             <a:endParaRPr lang="en-US"/>
           </a:p>
@@ -1962,7 +1998,7 @@
           <a:p>
             <a:fld id="{B67AD84E-40BB-49B3-A3DB-F48B5620074C}" type="datetimeFigureOut">
               <a:rPr lang="en-US" smtClean="0"/>
-              <a:t>1/25/2014</a:t>
+              <a:t>2/4/2014</a:t>
             </a:fld>
             <a:endParaRPr lang="en-US"/>
           </a:p>
@@ -2208,7 +2244,7 @@
           <a:p>
             <a:fld id="{B67AD84E-40BB-49B3-A3DB-F48B5620074C}" type="datetimeFigureOut">
               <a:rPr lang="en-US" smtClean="0"/>
-              <a:t>1/25/2014</a:t>
+              <a:t>2/4/2014</a:t>
             </a:fld>
             <a:endParaRPr lang="en-US"/>
           </a:p>
@@ -2440,7 +2476,7 @@
           <a:p>
             <a:fld id="{B67AD84E-40BB-49B3-A3DB-F48B5620074C}" type="datetimeFigureOut">
               <a:rPr lang="en-US" smtClean="0"/>
-              <a:t>1/25/2014</a:t>
+              <a:t>2/4/2014</a:t>
             </a:fld>
             <a:endParaRPr lang="en-US"/>
           </a:p>
@@ -2807,7 +2843,7 @@
           <a:p>
             <a:fld id="{B67AD84E-40BB-49B3-A3DB-F48B5620074C}" type="datetimeFigureOut">
               <a:rPr lang="en-US" smtClean="0"/>
-              <a:t>1/25/2014</a:t>
+              <a:t>2/4/2014</a:t>
             </a:fld>
             <a:endParaRPr lang="en-US"/>
           </a:p>
@@ -2925,7 +2961,7 @@
           <a:p>
             <a:fld id="{B67AD84E-40BB-49B3-A3DB-F48B5620074C}" type="datetimeFigureOut">
               <a:rPr lang="en-US" smtClean="0"/>
-              <a:t>1/25/2014</a:t>
+              <a:t>2/4/2014</a:t>
             </a:fld>
             <a:endParaRPr lang="en-US"/>
           </a:p>
@@ -3020,7 +3056,7 @@
           <a:p>
             <a:fld id="{B67AD84E-40BB-49B3-A3DB-F48B5620074C}" type="datetimeFigureOut">
               <a:rPr lang="en-US" smtClean="0"/>
-              <a:t>1/25/2014</a:t>
+              <a:t>2/4/2014</a:t>
             </a:fld>
             <a:endParaRPr lang="en-US"/>
           </a:p>
@@ -3297,7 +3333,7 @@
           <a:p>
             <a:fld id="{B67AD84E-40BB-49B3-A3DB-F48B5620074C}" type="datetimeFigureOut">
               <a:rPr lang="en-US" smtClean="0"/>
-              <a:t>1/25/2014</a:t>
+              <a:t>2/4/2014</a:t>
             </a:fld>
             <a:endParaRPr lang="en-US"/>
           </a:p>
@@ -3550,7 +3586,7 @@
           <a:p>
             <a:fld id="{B67AD84E-40BB-49B3-A3DB-F48B5620074C}" type="datetimeFigureOut">
               <a:rPr lang="en-US" smtClean="0"/>
-              <a:t>1/25/2014</a:t>
+              <a:t>2/4/2014</a:t>
             </a:fld>
             <a:endParaRPr lang="en-US"/>
           </a:p>
@@ -3763,7 +3799,7 @@
           <a:p>
             <a:fld id="{B67AD84E-40BB-49B3-A3DB-F48B5620074C}" type="datetimeFigureOut">
               <a:rPr lang="en-US" smtClean="0"/>
-              <a:t>1/25/2014</a:t>
+              <a:t>2/4/2014</a:t>
             </a:fld>
             <a:endParaRPr lang="en-US"/>
           </a:p>

--- a/building.mmbot.pptx
+++ b/building.mmbot.pptx
@@ -5,7 +5,7 @@
     <p:sldMasterId id="2147483648" r:id="rId1"/>
   </p:sldMasterIdLst>
   <p:notesMasterIdLst>
-    <p:notesMasterId r:id="rId15"/>
+    <p:notesMasterId r:id="rId16"/>
   </p:notesMasterIdLst>
   <p:sldIdLst>
     <p:sldId id="256" r:id="rId2"/>
@@ -20,7 +20,8 @@
     <p:sldId id="266" r:id="rId11"/>
     <p:sldId id="257" r:id="rId12"/>
     <p:sldId id="267" r:id="rId13"/>
-    <p:sldId id="268" r:id="rId14"/>
+    <p:sldId id="269" r:id="rId14"/>
+    <p:sldId id="268" r:id="rId15"/>
   </p:sldIdLst>
   <p:sldSz cx="12192000" cy="6858000"/>
   <p:notesSz cx="6858000" cy="9144000"/>
@@ -209,7 +210,7 @@
           <a:p>
             <a:fld id="{E4906B5F-9DD5-4B23-A7C4-E692BD6F5171}" type="datetimeFigureOut">
               <a:rPr lang="en-US" smtClean="0"/>
-              <a:t>2/4/2014</a:t>
+              <a:t>2/5/2014</a:t>
             </a:fld>
             <a:endParaRPr lang="en-US"/>
           </a:p>
@@ -1478,7 +1479,7 @@
           <a:p>
             <a:fld id="{B67AD84E-40BB-49B3-A3DB-F48B5620074C}" type="datetimeFigureOut">
               <a:rPr lang="en-US" smtClean="0"/>
-              <a:t>2/4/2014</a:t>
+              <a:t>2/5/2014</a:t>
             </a:fld>
             <a:endParaRPr lang="en-US"/>
           </a:p>
@@ -1648,7 +1649,7 @@
           <a:p>
             <a:fld id="{B67AD84E-40BB-49B3-A3DB-F48B5620074C}" type="datetimeFigureOut">
               <a:rPr lang="en-US" smtClean="0"/>
-              <a:t>2/4/2014</a:t>
+              <a:t>2/5/2014</a:t>
             </a:fld>
             <a:endParaRPr lang="en-US"/>
           </a:p>
@@ -1828,7 +1829,7 @@
           <a:p>
             <a:fld id="{B67AD84E-40BB-49B3-A3DB-F48B5620074C}" type="datetimeFigureOut">
               <a:rPr lang="en-US" smtClean="0"/>
-              <a:t>2/4/2014</a:t>
+              <a:t>2/5/2014</a:t>
             </a:fld>
             <a:endParaRPr lang="en-US"/>
           </a:p>
@@ -1998,7 +1999,7 @@
           <a:p>
             <a:fld id="{B67AD84E-40BB-49B3-A3DB-F48B5620074C}" type="datetimeFigureOut">
               <a:rPr lang="en-US" smtClean="0"/>
-              <a:t>2/4/2014</a:t>
+              <a:t>2/5/2014</a:t>
             </a:fld>
             <a:endParaRPr lang="en-US"/>
           </a:p>
@@ -2244,7 +2245,7 @@
           <a:p>
             <a:fld id="{B67AD84E-40BB-49B3-A3DB-F48B5620074C}" type="datetimeFigureOut">
               <a:rPr lang="en-US" smtClean="0"/>
-              <a:t>2/4/2014</a:t>
+              <a:t>2/5/2014</a:t>
             </a:fld>
             <a:endParaRPr lang="en-US"/>
           </a:p>
@@ -2476,7 +2477,7 @@
           <a:p>
             <a:fld id="{B67AD84E-40BB-49B3-A3DB-F48B5620074C}" type="datetimeFigureOut">
               <a:rPr lang="en-US" smtClean="0"/>
-              <a:t>2/4/2014</a:t>
+              <a:t>2/5/2014</a:t>
             </a:fld>
             <a:endParaRPr lang="en-US"/>
           </a:p>
@@ -2843,7 +2844,7 @@
           <a:p>
             <a:fld id="{B67AD84E-40BB-49B3-A3DB-F48B5620074C}" type="datetimeFigureOut">
               <a:rPr lang="en-US" smtClean="0"/>
-              <a:t>2/4/2014</a:t>
+              <a:t>2/5/2014</a:t>
             </a:fld>
             <a:endParaRPr lang="en-US"/>
           </a:p>
@@ -2961,7 +2962,7 @@
           <a:p>
             <a:fld id="{B67AD84E-40BB-49B3-A3DB-F48B5620074C}" type="datetimeFigureOut">
               <a:rPr lang="en-US" smtClean="0"/>
-              <a:t>2/4/2014</a:t>
+              <a:t>2/5/2014</a:t>
             </a:fld>
             <a:endParaRPr lang="en-US"/>
           </a:p>
@@ -3056,7 +3057,7 @@
           <a:p>
             <a:fld id="{B67AD84E-40BB-49B3-A3DB-F48B5620074C}" type="datetimeFigureOut">
               <a:rPr lang="en-US" smtClean="0"/>
-              <a:t>2/4/2014</a:t>
+              <a:t>2/5/2014</a:t>
             </a:fld>
             <a:endParaRPr lang="en-US"/>
           </a:p>
@@ -3333,7 +3334,7 @@
           <a:p>
             <a:fld id="{B67AD84E-40BB-49B3-A3DB-F48B5620074C}" type="datetimeFigureOut">
               <a:rPr lang="en-US" smtClean="0"/>
-              <a:t>2/4/2014</a:t>
+              <a:t>2/5/2014</a:t>
             </a:fld>
             <a:endParaRPr lang="en-US"/>
           </a:p>
@@ -3586,7 +3587,7 @@
           <a:p>
             <a:fld id="{B67AD84E-40BB-49B3-A3DB-F48B5620074C}" type="datetimeFigureOut">
               <a:rPr lang="en-US" smtClean="0"/>
-              <a:t>2/4/2014</a:t>
+              <a:t>2/5/2014</a:t>
             </a:fld>
             <a:endParaRPr lang="en-US"/>
           </a:p>
@@ -3799,7 +3800,7 @@
           <a:p>
             <a:fld id="{B67AD84E-40BB-49B3-A3DB-F48B5620074C}" type="datetimeFigureOut">
               <a:rPr lang="en-US" smtClean="0"/>
-              <a:t>2/4/2014</a:t>
+              <a:t>2/5/2014</a:t>
             </a:fld>
             <a:endParaRPr lang="en-US"/>
           </a:p>
@@ -5513,6 +5514,339 @@
 </file>
 
 <file path=ppt/slides/slide13.xml><?xml version="1.0" encoding="utf-8"?>
+<p:sld xmlns:a="http://schemas.openxmlformats.org/drawingml/2006/main" xmlns:r="http://schemas.openxmlformats.org/officeDocument/2006/relationships" xmlns:p="http://schemas.openxmlformats.org/presentationml/2006/main">
+  <p:cSld>
+    <p:bg>
+      <p:bgPr>
+        <a:solidFill>
+          <a:srgbClr val="FFF5A4"/>
+        </a:solidFill>
+        <a:effectLst/>
+      </p:bgPr>
+    </p:bg>
+    <p:spTree>
+      <p:nvGrpSpPr>
+        <p:cNvPr id="1" name=""/>
+        <p:cNvGrpSpPr/>
+        <p:nvPr/>
+      </p:nvGrpSpPr>
+      <p:grpSpPr>
+        <a:xfrm>
+          <a:off x="0" y="0"/>
+          <a:ext cx="0" cy="0"/>
+          <a:chOff x="0" y="0"/>
+          <a:chExt cx="0" cy="0"/>
+        </a:xfrm>
+      </p:grpSpPr>
+      <p:sp>
+        <p:nvSpPr>
+          <p:cNvPr id="5" name="TextBox 4"/>
+          <p:cNvSpPr txBox="1"/>
+          <p:nvPr/>
+        </p:nvSpPr>
+        <p:spPr>
+          <a:xfrm>
+            <a:off x="655016" y="88088"/>
+            <a:ext cx="11355473" cy="1569660"/>
+          </a:xfrm>
+          <a:prstGeom prst="rect">
+            <a:avLst/>
+          </a:prstGeom>
+          <a:noFill/>
+        </p:spPr>
+        <p:txBody>
+          <a:bodyPr wrap="square" rtlCol="0">
+            <a:spAutoFit/>
+          </a:bodyPr>
+          <a:lstStyle/>
+          <a:p>
+            <a:r>
+              <a:rPr lang="en-NZ" sz="9600" b="1" dirty="0" smtClean="0">
+                <a:solidFill>
+                  <a:schemeClr val="bg1"/>
+                </a:solidFill>
+                <a:latin typeface="Trebuchet MS" panose="020B0603020202020204" pitchFamily="34" charset="0"/>
+                <a:ea typeface="DengXian" panose="03000509000000000000" pitchFamily="65" charset="-122"/>
+              </a:rPr>
+              <a:t>co-co-ordinators</a:t>
+            </a:r>
+            <a:endParaRPr lang="en-US" sz="9600" b="1" dirty="0">
+              <a:solidFill>
+                <a:schemeClr val="bg1"/>
+              </a:solidFill>
+              <a:latin typeface="Trebuchet MS" panose="020B0603020202020204" pitchFamily="34" charset="0"/>
+              <a:ea typeface="DengXian" panose="03000509000000000000" pitchFamily="65" charset="-122"/>
+            </a:endParaRPr>
+          </a:p>
+        </p:txBody>
+      </p:sp>
+      <p:pic>
+        <p:nvPicPr>
+          <p:cNvPr id="1026" name="Picture 2" descr="https://1.gravatar.com/avatar/1ea2829caf0b9135cd7ece795ccde774?d=https%3A%2F%2Fidenticons.github.com%2F39b4a7201cca43b88e784ffc0c31bef6.png&amp;r=x&amp;s=440"/>
+          <p:cNvPicPr>
+            <a:picLocks noChangeAspect="1" noChangeArrowheads="1"/>
+          </p:cNvPicPr>
+          <p:nvPr/>
+        </p:nvPicPr>
+        <p:blipFill>
+          <a:blip r:embed="rId2" cstate="print">
+            <a:extLst>
+              <a:ext uri="{28A0092B-C50C-407E-A947-70E740481C1C}">
+                <a14:useLocalDpi xmlns:a14="http://schemas.microsoft.com/office/drawing/2010/main" val="0"/>
+              </a:ext>
+            </a:extLst>
+          </a:blip>
+          <a:srcRect/>
+          <a:stretch>
+            <a:fillRect/>
+          </a:stretch>
+        </p:blipFill>
+        <p:spPr bwMode="auto">
+          <a:xfrm>
+            <a:off x="788581" y="2024011"/>
+            <a:ext cx="1360076" cy="1360076"/>
+          </a:xfrm>
+          <a:prstGeom prst="rect">
+            <a:avLst/>
+          </a:prstGeom>
+          <a:noFill/>
+          <a:extLst>
+            <a:ext uri="{909E8E84-426E-40DD-AFC4-6F175D3DCCD1}">
+              <a14:hiddenFill xmlns:a14="http://schemas.microsoft.com/office/drawing/2010/main">
+                <a:solidFill>
+                  <a:srgbClr val="FFFFFF"/>
+                </a:solidFill>
+              </a14:hiddenFill>
+            </a:ext>
+          </a:extLst>
+        </p:spPr>
+      </p:pic>
+      <p:sp>
+        <p:nvSpPr>
+          <p:cNvPr id="7" name="TextBox 6"/>
+          <p:cNvSpPr txBox="1"/>
+          <p:nvPr/>
+        </p:nvSpPr>
+        <p:spPr>
+          <a:xfrm>
+            <a:off x="2456296" y="2150051"/>
+            <a:ext cx="4233147" cy="1107996"/>
+          </a:xfrm>
+          <a:prstGeom prst="rect">
+            <a:avLst/>
+          </a:prstGeom>
+          <a:noFill/>
+        </p:spPr>
+        <p:txBody>
+          <a:bodyPr wrap="none" rtlCol="0">
+            <a:spAutoFit/>
+          </a:bodyPr>
+          <a:lstStyle/>
+          <a:p>
+            <a:r>
+              <a:rPr lang="en-NZ" sz="6600" b="1" dirty="0" smtClean="0">
+                <a:solidFill>
+                  <a:srgbClr val="F161B2"/>
+                </a:solidFill>
+                <a:latin typeface="Gisha" panose="020B0502040204020203" pitchFamily="34" charset="-79"/>
+                <a:cs typeface="Gisha" panose="020B0502040204020203" pitchFamily="34" charset="-79"/>
+              </a:rPr>
+              <a:t>@</a:t>
+            </a:r>
+            <a:r>
+              <a:rPr lang="en-NZ" sz="6600" b="1" dirty="0" err="1" smtClean="0">
+                <a:solidFill>
+                  <a:srgbClr val="F161B2"/>
+                </a:solidFill>
+                <a:latin typeface="Gisha" panose="020B0502040204020203" pitchFamily="34" charset="-79"/>
+                <a:cs typeface="Gisha" panose="020B0502040204020203" pitchFamily="34" charset="-79"/>
+              </a:rPr>
+              <a:t>dkarzon</a:t>
+            </a:r>
+            <a:endParaRPr lang="en-US" sz="6600" b="1" dirty="0">
+              <a:solidFill>
+                <a:srgbClr val="F161B2"/>
+              </a:solidFill>
+              <a:latin typeface="Gisha" panose="020B0502040204020203" pitchFamily="34" charset="-79"/>
+              <a:cs typeface="Gisha" panose="020B0502040204020203" pitchFamily="34" charset="-79"/>
+            </a:endParaRPr>
+          </a:p>
+        </p:txBody>
+      </p:sp>
+      <p:pic>
+        <p:nvPicPr>
+          <p:cNvPr id="1028" name="Picture 4" descr="https://2.gravatar.com/avatar/cdc48d5cc403a78e3dbb507f345f8ace?d=https%3A%2F%2Fidenticons.github.com%2F8c263ce6f0261e6affbbe9d4a5399c4e.png&amp;r=x&amp;s=440"/>
+          <p:cNvPicPr>
+            <a:picLocks noChangeAspect="1" noChangeArrowheads="1"/>
+          </p:cNvPicPr>
+          <p:nvPr/>
+        </p:nvPicPr>
+        <p:blipFill>
+          <a:blip r:embed="rId3" cstate="print">
+            <a:extLst>
+              <a:ext uri="{28A0092B-C50C-407E-A947-70E740481C1C}">
+                <a14:useLocalDpi xmlns:a14="http://schemas.microsoft.com/office/drawing/2010/main" val="0"/>
+              </a:ext>
+            </a:extLst>
+          </a:blip>
+          <a:srcRect/>
+          <a:stretch>
+            <a:fillRect/>
+          </a:stretch>
+        </p:blipFill>
+        <p:spPr bwMode="auto">
+          <a:xfrm>
+            <a:off x="788582" y="3483227"/>
+            <a:ext cx="1360076" cy="1360076"/>
+          </a:xfrm>
+          <a:prstGeom prst="rect">
+            <a:avLst/>
+          </a:prstGeom>
+          <a:noFill/>
+          <a:extLst>
+            <a:ext uri="{909E8E84-426E-40DD-AFC4-6F175D3DCCD1}">
+              <a14:hiddenFill xmlns:a14="http://schemas.microsoft.com/office/drawing/2010/main">
+                <a:solidFill>
+                  <a:srgbClr val="FFFFFF"/>
+                </a:solidFill>
+              </a14:hiddenFill>
+            </a:ext>
+          </a:extLst>
+        </p:spPr>
+      </p:pic>
+      <p:sp>
+        <p:nvSpPr>
+          <p:cNvPr id="8" name="TextBox 7"/>
+          <p:cNvSpPr txBox="1"/>
+          <p:nvPr/>
+        </p:nvSpPr>
+        <p:spPr>
+          <a:xfrm>
+            <a:off x="2456295" y="3609267"/>
+            <a:ext cx="6729727" cy="1107996"/>
+          </a:xfrm>
+          <a:prstGeom prst="rect">
+            <a:avLst/>
+          </a:prstGeom>
+          <a:noFill/>
+        </p:spPr>
+        <p:txBody>
+          <a:bodyPr wrap="none" rtlCol="0">
+            <a:spAutoFit/>
+          </a:bodyPr>
+          <a:lstStyle/>
+          <a:p>
+            <a:r>
+              <a:rPr lang="en-NZ" sz="6600" b="1" dirty="0" smtClean="0">
+                <a:solidFill>
+                  <a:srgbClr val="F161B2"/>
+                </a:solidFill>
+                <a:latin typeface="Gisha" panose="020B0502040204020203" pitchFamily="34" charset="-79"/>
+                <a:cs typeface="Gisha" panose="020B0502040204020203" pitchFamily="34" charset="-79"/>
+              </a:rPr>
+              <a:t>@</a:t>
+            </a:r>
+            <a:r>
+              <a:rPr lang="en-NZ" sz="6600" b="1" dirty="0" err="1" smtClean="0">
+                <a:solidFill>
+                  <a:srgbClr val="F161B2"/>
+                </a:solidFill>
+                <a:latin typeface="Gisha" panose="020B0502040204020203" pitchFamily="34" charset="-79"/>
+                <a:cs typeface="Gisha" panose="020B0502040204020203" pitchFamily="34" charset="-79"/>
+              </a:rPr>
+              <a:t>jamessantiago</a:t>
+            </a:r>
+            <a:endParaRPr lang="en-US" sz="6600" b="1" dirty="0">
+              <a:solidFill>
+                <a:srgbClr val="F161B2"/>
+              </a:solidFill>
+              <a:latin typeface="Gisha" panose="020B0502040204020203" pitchFamily="34" charset="-79"/>
+              <a:cs typeface="Gisha" panose="020B0502040204020203" pitchFamily="34" charset="-79"/>
+            </a:endParaRPr>
+          </a:p>
+        </p:txBody>
+      </p:sp>
+      <p:sp>
+        <p:nvSpPr>
+          <p:cNvPr id="2" name="Rectangle 1"/>
+          <p:cNvSpPr/>
+          <p:nvPr/>
+        </p:nvSpPr>
+        <p:spPr>
+          <a:xfrm>
+            <a:off x="655016" y="5617665"/>
+            <a:ext cx="5941050" cy="584775"/>
+          </a:xfrm>
+          <a:prstGeom prst="rect">
+            <a:avLst/>
+          </a:prstGeom>
+        </p:spPr>
+        <p:txBody>
+          <a:bodyPr wrap="none">
+            <a:spAutoFit/>
+          </a:bodyPr>
+          <a:lstStyle/>
+          <a:p>
+            <a:r>
+              <a:rPr lang="en-NZ" sz="3200" b="1" dirty="0" smtClean="0">
+                <a:ln>
+                  <a:solidFill>
+                    <a:srgbClr val="CE534D"/>
+                  </a:solidFill>
+                </a:ln>
+                <a:noFill/>
+                <a:latin typeface="Trebuchet MS" panose="020B0603020202020204" pitchFamily="34" charset="0"/>
+                <a:ea typeface="DengXian" panose="03000509000000000000" pitchFamily="65" charset="-122"/>
+              </a:rPr>
+              <a:t>+ some awesome </a:t>
+            </a:r>
+            <a:r>
+              <a:rPr lang="en-NZ" sz="3200" b="1" dirty="0" err="1" smtClean="0">
+                <a:ln>
+                  <a:solidFill>
+                    <a:srgbClr val="CE534D"/>
+                  </a:solidFill>
+                </a:ln>
+                <a:noFill/>
+                <a:latin typeface="Trebuchet MS" panose="020B0603020202020204" pitchFamily="34" charset="0"/>
+                <a:ea typeface="DengXian" panose="03000509000000000000" pitchFamily="65" charset="-122"/>
+              </a:rPr>
+              <a:t>contributers</a:t>
+            </a:r>
+            <a:endParaRPr lang="en-NZ" sz="3200" b="1" dirty="0">
+              <a:ln>
+                <a:solidFill>
+                  <a:srgbClr val="CE534D"/>
+                </a:solidFill>
+              </a:ln>
+              <a:noFill/>
+              <a:latin typeface="Trebuchet MS" panose="020B0603020202020204" pitchFamily="34" charset="0"/>
+              <a:ea typeface="DengXian" panose="03000509000000000000" pitchFamily="65" charset="-122"/>
+            </a:endParaRPr>
+          </a:p>
+        </p:txBody>
+      </p:sp>
+    </p:spTree>
+    <p:extLst>
+      <p:ext uri="{BB962C8B-B14F-4D97-AF65-F5344CB8AC3E}">
+        <p14:creationId xmlns:p14="http://schemas.microsoft.com/office/powerpoint/2010/main" val="3808328681"/>
+      </p:ext>
+    </p:extLst>
+  </p:cSld>
+  <p:clrMapOvr>
+    <a:masterClrMapping/>
+  </p:clrMapOvr>
+  <p:timing>
+    <p:tnLst>
+      <p:par>
+        <p:cTn id="1" dur="indefinite" restart="never" nodeType="tmRoot"/>
+      </p:par>
+    </p:tnLst>
+  </p:timing>
+</p:sld>
+</file>
+
+<file path=ppt/slides/slide14.xml><?xml version="1.0" encoding="utf-8"?>
 <p:sld xmlns:a="http://schemas.openxmlformats.org/drawingml/2006/main" xmlns:r="http://schemas.openxmlformats.org/officeDocument/2006/relationships" xmlns:p="http://schemas.openxmlformats.org/presentationml/2006/main">
   <p:cSld>
     <p:bg>
